--- a/testpresentation/Testning av Robot Split.pptx
+++ b/testpresentation/Testning av Robot Split.pptx
@@ -9,6 +9,8 @@
     <p:sldId id="258" r:id="rId3"/>
     <p:sldId id="259" r:id="rId4"/>
     <p:sldId id="260" r:id="rId5"/>
+    <p:sldId id="261" r:id="rId6"/>
+    <p:sldId id="262" r:id="rId7"/>
   </p:sldIdLst>
   <p:sldSz cx="9144000" cy="6858000" type="screen4x3"/>
   <p:notesSz cx="6858000" cy="9144000"/>
@@ -291,7 +293,8 @@
           <a:p>
             <a:fld id="{D0931C82-573E-4E8D-894F-69E93A0AB6BA}" type="datetimeFigureOut">
               <a:rPr lang="sv-SE" smtClean="0"/>
-              <a:t>2013-03-12</a:t>
+              <a:pPr/>
+              <a:t>2013-03-13</a:t>
             </a:fld>
             <a:endParaRPr lang="sv-SE"/>
           </a:p>
@@ -333,6 +336,7 @@
           <a:p>
             <a:fld id="{5E56F29C-D5B9-4723-8905-85F17636D9A9}" type="slidenum">
               <a:rPr lang="sv-SE" smtClean="0"/>
+              <a:pPr/>
               <a:t>‹#›</a:t>
             </a:fld>
             <a:endParaRPr lang="sv-SE"/>
@@ -342,7 +346,7 @@
     </p:spTree>
     <p:extLst>
       <p:ext uri="{BB962C8B-B14F-4D97-AF65-F5344CB8AC3E}">
-        <p14:creationId xmlns:p14="http://schemas.microsoft.com/office/powerpoint/2010/main" val="2282556921"/>
+        <p14:creationId xmlns:p14="http://schemas.microsoft.com/office/powerpoint/2010/main" xmlns="" val="2282556921"/>
       </p:ext>
     </p:extLst>
   </p:cSld>
@@ -461,7 +465,8 @@
           <a:p>
             <a:fld id="{D0931C82-573E-4E8D-894F-69E93A0AB6BA}" type="datetimeFigureOut">
               <a:rPr lang="sv-SE" smtClean="0"/>
-              <a:t>2013-03-12</a:t>
+              <a:pPr/>
+              <a:t>2013-03-13</a:t>
             </a:fld>
             <a:endParaRPr lang="sv-SE"/>
           </a:p>
@@ -503,6 +508,7 @@
           <a:p>
             <a:fld id="{5E56F29C-D5B9-4723-8905-85F17636D9A9}" type="slidenum">
               <a:rPr lang="sv-SE" smtClean="0"/>
+              <a:pPr/>
               <a:t>‹#›</a:t>
             </a:fld>
             <a:endParaRPr lang="sv-SE"/>
@@ -512,7 +518,7 @@
     </p:spTree>
     <p:extLst>
       <p:ext uri="{BB962C8B-B14F-4D97-AF65-F5344CB8AC3E}">
-        <p14:creationId xmlns:p14="http://schemas.microsoft.com/office/powerpoint/2010/main" val="3609959145"/>
+        <p14:creationId xmlns:p14="http://schemas.microsoft.com/office/powerpoint/2010/main" xmlns="" val="3609959145"/>
       </p:ext>
     </p:extLst>
   </p:cSld>
@@ -641,7 +647,8 @@
           <a:p>
             <a:fld id="{D0931C82-573E-4E8D-894F-69E93A0AB6BA}" type="datetimeFigureOut">
               <a:rPr lang="sv-SE" smtClean="0"/>
-              <a:t>2013-03-12</a:t>
+              <a:pPr/>
+              <a:t>2013-03-13</a:t>
             </a:fld>
             <a:endParaRPr lang="sv-SE"/>
           </a:p>
@@ -683,6 +690,7 @@
           <a:p>
             <a:fld id="{5E56F29C-D5B9-4723-8905-85F17636D9A9}" type="slidenum">
               <a:rPr lang="sv-SE" smtClean="0"/>
+              <a:pPr/>
               <a:t>‹#›</a:t>
             </a:fld>
             <a:endParaRPr lang="sv-SE"/>
@@ -692,7 +700,7 @@
     </p:spTree>
     <p:extLst>
       <p:ext uri="{BB962C8B-B14F-4D97-AF65-F5344CB8AC3E}">
-        <p14:creationId xmlns:p14="http://schemas.microsoft.com/office/powerpoint/2010/main" val="204780693"/>
+        <p14:creationId xmlns:p14="http://schemas.microsoft.com/office/powerpoint/2010/main" xmlns="" val="204780693"/>
       </p:ext>
     </p:extLst>
   </p:cSld>
@@ -811,7 +819,8 @@
           <a:p>
             <a:fld id="{D0931C82-573E-4E8D-894F-69E93A0AB6BA}" type="datetimeFigureOut">
               <a:rPr lang="sv-SE" smtClean="0"/>
-              <a:t>2013-03-12</a:t>
+              <a:pPr/>
+              <a:t>2013-03-13</a:t>
             </a:fld>
             <a:endParaRPr lang="sv-SE"/>
           </a:p>
@@ -853,6 +862,7 @@
           <a:p>
             <a:fld id="{5E56F29C-D5B9-4723-8905-85F17636D9A9}" type="slidenum">
               <a:rPr lang="sv-SE" smtClean="0"/>
+              <a:pPr/>
               <a:t>‹#›</a:t>
             </a:fld>
             <a:endParaRPr lang="sv-SE"/>
@@ -862,7 +872,7 @@
     </p:spTree>
     <p:extLst>
       <p:ext uri="{BB962C8B-B14F-4D97-AF65-F5344CB8AC3E}">
-        <p14:creationId xmlns:p14="http://schemas.microsoft.com/office/powerpoint/2010/main" val="1242334204"/>
+        <p14:creationId xmlns:p14="http://schemas.microsoft.com/office/powerpoint/2010/main" xmlns="" val="1242334204"/>
       </p:ext>
     </p:extLst>
   </p:cSld>
@@ -1057,7 +1067,8 @@
           <a:p>
             <a:fld id="{D0931C82-573E-4E8D-894F-69E93A0AB6BA}" type="datetimeFigureOut">
               <a:rPr lang="sv-SE" smtClean="0"/>
-              <a:t>2013-03-12</a:t>
+              <a:pPr/>
+              <a:t>2013-03-13</a:t>
             </a:fld>
             <a:endParaRPr lang="sv-SE"/>
           </a:p>
@@ -1099,6 +1110,7 @@
           <a:p>
             <a:fld id="{5E56F29C-D5B9-4723-8905-85F17636D9A9}" type="slidenum">
               <a:rPr lang="sv-SE" smtClean="0"/>
+              <a:pPr/>
               <a:t>‹#›</a:t>
             </a:fld>
             <a:endParaRPr lang="sv-SE"/>
@@ -1108,7 +1120,7 @@
     </p:spTree>
     <p:extLst>
       <p:ext uri="{BB962C8B-B14F-4D97-AF65-F5344CB8AC3E}">
-        <p14:creationId xmlns:p14="http://schemas.microsoft.com/office/powerpoint/2010/main" val="2791986742"/>
+        <p14:creationId xmlns:p14="http://schemas.microsoft.com/office/powerpoint/2010/main" xmlns="" val="2791986742"/>
       </p:ext>
     </p:extLst>
   </p:cSld>
@@ -1345,7 +1357,8 @@
           <a:p>
             <a:fld id="{D0931C82-573E-4E8D-894F-69E93A0AB6BA}" type="datetimeFigureOut">
               <a:rPr lang="sv-SE" smtClean="0"/>
-              <a:t>2013-03-12</a:t>
+              <a:pPr/>
+              <a:t>2013-03-13</a:t>
             </a:fld>
             <a:endParaRPr lang="sv-SE"/>
           </a:p>
@@ -1387,6 +1400,7 @@
           <a:p>
             <a:fld id="{5E56F29C-D5B9-4723-8905-85F17636D9A9}" type="slidenum">
               <a:rPr lang="sv-SE" smtClean="0"/>
+              <a:pPr/>
               <a:t>‹#›</a:t>
             </a:fld>
             <a:endParaRPr lang="sv-SE"/>
@@ -1396,7 +1410,7 @@
     </p:spTree>
     <p:extLst>
       <p:ext uri="{BB962C8B-B14F-4D97-AF65-F5344CB8AC3E}">
-        <p14:creationId xmlns:p14="http://schemas.microsoft.com/office/powerpoint/2010/main" val="3248646491"/>
+        <p14:creationId xmlns:p14="http://schemas.microsoft.com/office/powerpoint/2010/main" xmlns="" val="3248646491"/>
       </p:ext>
     </p:extLst>
   </p:cSld>
@@ -1767,7 +1781,8 @@
           <a:p>
             <a:fld id="{D0931C82-573E-4E8D-894F-69E93A0AB6BA}" type="datetimeFigureOut">
               <a:rPr lang="sv-SE" smtClean="0"/>
-              <a:t>2013-03-12</a:t>
+              <a:pPr/>
+              <a:t>2013-03-13</a:t>
             </a:fld>
             <a:endParaRPr lang="sv-SE"/>
           </a:p>
@@ -1809,6 +1824,7 @@
           <a:p>
             <a:fld id="{5E56F29C-D5B9-4723-8905-85F17636D9A9}" type="slidenum">
               <a:rPr lang="sv-SE" smtClean="0"/>
+              <a:pPr/>
               <a:t>‹#›</a:t>
             </a:fld>
             <a:endParaRPr lang="sv-SE"/>
@@ -1818,7 +1834,7 @@
     </p:spTree>
     <p:extLst>
       <p:ext uri="{BB962C8B-B14F-4D97-AF65-F5344CB8AC3E}">
-        <p14:creationId xmlns:p14="http://schemas.microsoft.com/office/powerpoint/2010/main" val="3958834472"/>
+        <p14:creationId xmlns:p14="http://schemas.microsoft.com/office/powerpoint/2010/main" xmlns="" val="3958834472"/>
       </p:ext>
     </p:extLst>
   </p:cSld>
@@ -1885,7 +1901,8 @@
           <a:p>
             <a:fld id="{D0931C82-573E-4E8D-894F-69E93A0AB6BA}" type="datetimeFigureOut">
               <a:rPr lang="sv-SE" smtClean="0"/>
-              <a:t>2013-03-12</a:t>
+              <a:pPr/>
+              <a:t>2013-03-13</a:t>
             </a:fld>
             <a:endParaRPr lang="sv-SE"/>
           </a:p>
@@ -1927,6 +1944,7 @@
           <a:p>
             <a:fld id="{5E56F29C-D5B9-4723-8905-85F17636D9A9}" type="slidenum">
               <a:rPr lang="sv-SE" smtClean="0"/>
+              <a:pPr/>
               <a:t>‹#›</a:t>
             </a:fld>
             <a:endParaRPr lang="sv-SE"/>
@@ -1936,7 +1954,7 @@
     </p:spTree>
     <p:extLst>
       <p:ext uri="{BB962C8B-B14F-4D97-AF65-F5344CB8AC3E}">
-        <p14:creationId xmlns:p14="http://schemas.microsoft.com/office/powerpoint/2010/main" val="2317605565"/>
+        <p14:creationId xmlns:p14="http://schemas.microsoft.com/office/powerpoint/2010/main" xmlns="" val="2317605565"/>
       </p:ext>
     </p:extLst>
   </p:cSld>
@@ -1980,7 +1998,8 @@
           <a:p>
             <a:fld id="{D0931C82-573E-4E8D-894F-69E93A0AB6BA}" type="datetimeFigureOut">
               <a:rPr lang="sv-SE" smtClean="0"/>
-              <a:t>2013-03-12</a:t>
+              <a:pPr/>
+              <a:t>2013-03-13</a:t>
             </a:fld>
             <a:endParaRPr lang="sv-SE"/>
           </a:p>
@@ -2022,6 +2041,7 @@
           <a:p>
             <a:fld id="{5E56F29C-D5B9-4723-8905-85F17636D9A9}" type="slidenum">
               <a:rPr lang="sv-SE" smtClean="0"/>
+              <a:pPr/>
               <a:t>‹#›</a:t>
             </a:fld>
             <a:endParaRPr lang="sv-SE"/>
@@ -2031,7 +2051,7 @@
     </p:spTree>
     <p:extLst>
       <p:ext uri="{BB962C8B-B14F-4D97-AF65-F5344CB8AC3E}">
-        <p14:creationId xmlns:p14="http://schemas.microsoft.com/office/powerpoint/2010/main" val="1367699429"/>
+        <p14:creationId xmlns:p14="http://schemas.microsoft.com/office/powerpoint/2010/main" xmlns="" val="1367699429"/>
       </p:ext>
     </p:extLst>
   </p:cSld>
@@ -2257,7 +2277,8 @@
           <a:p>
             <a:fld id="{D0931C82-573E-4E8D-894F-69E93A0AB6BA}" type="datetimeFigureOut">
               <a:rPr lang="sv-SE" smtClean="0"/>
-              <a:t>2013-03-12</a:t>
+              <a:pPr/>
+              <a:t>2013-03-13</a:t>
             </a:fld>
             <a:endParaRPr lang="sv-SE"/>
           </a:p>
@@ -2299,6 +2320,7 @@
           <a:p>
             <a:fld id="{5E56F29C-D5B9-4723-8905-85F17636D9A9}" type="slidenum">
               <a:rPr lang="sv-SE" smtClean="0"/>
+              <a:pPr/>
               <a:t>‹#›</a:t>
             </a:fld>
             <a:endParaRPr lang="sv-SE"/>
@@ -2308,7 +2330,7 @@
     </p:spTree>
     <p:extLst>
       <p:ext uri="{BB962C8B-B14F-4D97-AF65-F5344CB8AC3E}">
-        <p14:creationId xmlns:p14="http://schemas.microsoft.com/office/powerpoint/2010/main" val="341748156"/>
+        <p14:creationId xmlns:p14="http://schemas.microsoft.com/office/powerpoint/2010/main" xmlns="" val="341748156"/>
       </p:ext>
     </p:extLst>
   </p:cSld>
@@ -2510,7 +2532,8 @@
           <a:p>
             <a:fld id="{D0931C82-573E-4E8D-894F-69E93A0AB6BA}" type="datetimeFigureOut">
               <a:rPr lang="sv-SE" smtClean="0"/>
-              <a:t>2013-03-12</a:t>
+              <a:pPr/>
+              <a:t>2013-03-13</a:t>
             </a:fld>
             <a:endParaRPr lang="sv-SE"/>
           </a:p>
@@ -2552,6 +2575,7 @@
           <a:p>
             <a:fld id="{5E56F29C-D5B9-4723-8905-85F17636D9A9}" type="slidenum">
               <a:rPr lang="sv-SE" smtClean="0"/>
+              <a:pPr/>
               <a:t>‹#›</a:t>
             </a:fld>
             <a:endParaRPr lang="sv-SE"/>
@@ -2561,7 +2585,7 @@
     </p:spTree>
     <p:extLst>
       <p:ext uri="{BB962C8B-B14F-4D97-AF65-F5344CB8AC3E}">
-        <p14:creationId xmlns:p14="http://schemas.microsoft.com/office/powerpoint/2010/main" val="3700386405"/>
+        <p14:creationId xmlns:p14="http://schemas.microsoft.com/office/powerpoint/2010/main" xmlns="" val="3700386405"/>
       </p:ext>
     </p:extLst>
   </p:cSld>
@@ -2723,7 +2747,8 @@
           <a:p>
             <a:fld id="{D0931C82-573E-4E8D-894F-69E93A0AB6BA}" type="datetimeFigureOut">
               <a:rPr lang="sv-SE" smtClean="0"/>
-              <a:t>2013-03-12</a:t>
+              <a:pPr/>
+              <a:t>2013-03-13</a:t>
             </a:fld>
             <a:endParaRPr lang="sv-SE"/>
           </a:p>
@@ -2801,6 +2826,7 @@
           <a:p>
             <a:fld id="{5E56F29C-D5B9-4723-8905-85F17636D9A9}" type="slidenum">
               <a:rPr lang="sv-SE" smtClean="0"/>
+              <a:pPr/>
               <a:t>‹#›</a:t>
             </a:fld>
             <a:endParaRPr lang="sv-SE"/>
@@ -2810,7 +2836,7 @@
     </p:spTree>
     <p:extLst>
       <p:ext uri="{BB962C8B-B14F-4D97-AF65-F5344CB8AC3E}">
-        <p14:creationId xmlns:p14="http://schemas.microsoft.com/office/powerpoint/2010/main" val="3408945913"/>
+        <p14:creationId xmlns:p14="http://schemas.microsoft.com/office/powerpoint/2010/main" xmlns="" val="3408945913"/>
       </p:ext>
     </p:extLst>
   </p:cSld>
@@ -3138,7 +3164,7 @@
           <a:blip r:embed="rId2" cstate="print">
             <a:extLst>
               <a:ext uri="{28A0092B-C50C-407E-A947-70E740481C1C}">
-                <a14:useLocalDpi xmlns:a14="http://schemas.microsoft.com/office/drawing/2010/main" val="0"/>
+                <a14:useLocalDpi xmlns:a14="http://schemas.microsoft.com/office/drawing/2010/main" xmlns="" val="0"/>
               </a:ext>
             </a:extLst>
           </a:blip>
@@ -3159,7 +3185,7 @@
     </p:spTree>
     <p:extLst>
       <p:ext uri="{BB962C8B-B14F-4D97-AF65-F5344CB8AC3E}">
-        <p14:creationId xmlns:p14="http://schemas.microsoft.com/office/powerpoint/2010/main" val="3372032009"/>
+        <p14:creationId xmlns:p14="http://schemas.microsoft.com/office/powerpoint/2010/main" xmlns="" val="3372032009"/>
       </p:ext>
     </p:extLst>
   </p:cSld>
@@ -3230,7 +3256,7 @@
           <a:blip r:embed="rId2" cstate="print">
             <a:extLst>
               <a:ext uri="{28A0092B-C50C-407E-A947-70E740481C1C}">
-                <a14:useLocalDpi xmlns:a14="http://schemas.microsoft.com/office/drawing/2010/main" val="0"/>
+                <a14:useLocalDpi xmlns:a14="http://schemas.microsoft.com/office/drawing/2010/main" xmlns="" val="0"/>
               </a:ext>
             </a:extLst>
           </a:blip>
@@ -3343,7 +3369,7 @@
     </p:spTree>
     <p:extLst>
       <p:ext uri="{BB962C8B-B14F-4D97-AF65-F5344CB8AC3E}">
-        <p14:creationId xmlns:p14="http://schemas.microsoft.com/office/powerpoint/2010/main" val="1784088883"/>
+        <p14:creationId xmlns:p14="http://schemas.microsoft.com/office/powerpoint/2010/main" xmlns="" val="1784088883"/>
       </p:ext>
     </p:extLst>
   </p:cSld>
@@ -3411,10 +3437,10 @@
           </p:nvPr>
         </p:nvPicPr>
         <p:blipFill>
-          <a:blip r:embed="rId2">
+          <a:blip r:embed="rId2" cstate="print">
             <a:extLst>
               <a:ext uri="{28A0092B-C50C-407E-A947-70E740481C1C}">
-                <a14:useLocalDpi xmlns:a14="http://schemas.microsoft.com/office/drawing/2010/main" val="0"/>
+                <a14:useLocalDpi xmlns:a14="http://schemas.microsoft.com/office/drawing/2010/main" xmlns="" val="0"/>
               </a:ext>
             </a:extLst>
           </a:blip>
@@ -3448,7 +3474,7 @@
     </p:spTree>
     <p:extLst>
       <p:ext uri="{BB962C8B-B14F-4D97-AF65-F5344CB8AC3E}">
-        <p14:creationId xmlns:p14="http://schemas.microsoft.com/office/powerpoint/2010/main" val="3848186099"/>
+        <p14:creationId xmlns:p14="http://schemas.microsoft.com/office/powerpoint/2010/main" xmlns="" val="3848186099"/>
       </p:ext>
     </p:extLst>
   </p:cSld>
@@ -3516,10 +3542,10 @@
           </p:nvPr>
         </p:nvPicPr>
         <p:blipFill>
-          <a:blip r:embed="rId2">
+          <a:blip r:embed="rId2" cstate="print">
             <a:extLst>
               <a:ext uri="{28A0092B-C50C-407E-A947-70E740481C1C}">
-                <a14:useLocalDpi xmlns:a14="http://schemas.microsoft.com/office/drawing/2010/main" val="0"/>
+                <a14:useLocalDpi xmlns:a14="http://schemas.microsoft.com/office/drawing/2010/main" xmlns="" val="0"/>
               </a:ext>
             </a:extLst>
           </a:blip>
@@ -3553,9 +3579,263 @@
     </p:spTree>
     <p:extLst>
       <p:ext uri="{BB962C8B-B14F-4D97-AF65-F5344CB8AC3E}">
-        <p14:creationId xmlns:p14="http://schemas.microsoft.com/office/powerpoint/2010/main" val="3012172132"/>
+        <p14:creationId xmlns:p14="http://schemas.microsoft.com/office/powerpoint/2010/main" xmlns="" val="3012172132"/>
       </p:ext>
     </p:extLst>
+  </p:cSld>
+  <p:clrMapOvr>
+    <a:masterClrMapping/>
+  </p:clrMapOvr>
+  <p:timing>
+    <p:tnLst>
+      <p:par>
+        <p:cTn id="1" dur="indefinite" restart="never" nodeType="tmRoot"/>
+      </p:par>
+    </p:tnLst>
+  </p:timing>
+</p:sld>
+</file>
+
+<file path=ppt/slides/slide5.xml><?xml version="1.0" encoding="utf-8"?>
+<p:sld xmlns:a="http://schemas.openxmlformats.org/drawingml/2006/main" xmlns:r="http://schemas.openxmlformats.org/officeDocument/2006/relationships" xmlns:p="http://schemas.openxmlformats.org/presentationml/2006/main">
+  <p:cSld>
+    <p:spTree>
+      <p:nvGrpSpPr>
+        <p:cNvPr id="1" name=""/>
+        <p:cNvGrpSpPr/>
+        <p:nvPr/>
+      </p:nvGrpSpPr>
+      <p:grpSpPr>
+        <a:xfrm>
+          <a:off x="0" y="0"/>
+          <a:ext cx="0" cy="0"/>
+          <a:chOff x="0" y="0"/>
+          <a:chExt cx="0" cy="0"/>
+        </a:xfrm>
+      </p:grpSpPr>
+      <p:sp>
+        <p:nvSpPr>
+          <p:cNvPr id="2" name="Title 1"/>
+          <p:cNvSpPr>
+            <a:spLocks noGrp="1"/>
+          </p:cNvSpPr>
+          <p:nvPr>
+            <p:ph type="title"/>
+          </p:nvPr>
+        </p:nvSpPr>
+        <p:spPr/>
+        <p:txBody>
+          <a:bodyPr/>
+          <a:lstStyle/>
+          <a:p>
+            <a:r>
+              <a:rPr lang="sv-SE" dirty="0" smtClean="0"/>
+              <a:t>Kontroller</a:t>
+            </a:r>
+            <a:endParaRPr lang="en-US" dirty="0"/>
+          </a:p>
+        </p:txBody>
+      </p:sp>
+      <p:sp>
+        <p:nvSpPr>
+          <p:cNvPr id="3" name="Content Placeholder 2"/>
+          <p:cNvSpPr>
+            <a:spLocks noGrp="1"/>
+          </p:cNvSpPr>
+          <p:nvPr>
+            <p:ph idx="1"/>
+          </p:nvPr>
+        </p:nvSpPr>
+        <p:spPr/>
+        <p:txBody>
+          <a:bodyPr>
+            <a:normAutofit/>
+          </a:bodyPr>
+          <a:lstStyle/>
+          <a:p>
+            <a:r>
+              <a:rPr lang="sv-SE" dirty="0" smtClean="0"/>
+              <a:t>Problem?</a:t>
+            </a:r>
+          </a:p>
+          <a:p>
+            <a:r>
+              <a:rPr lang="sv-SE" dirty="0" smtClean="0"/>
+              <a:t>Hopp till magnet</a:t>
+            </a:r>
+          </a:p>
+          <a:p>
+            <a:r>
+              <a:rPr lang="sv-SE" dirty="0" smtClean="0"/>
+              <a:t>Fungerade</a:t>
+            </a:r>
+            <a:endParaRPr lang="en-US" dirty="0"/>
+          </a:p>
+        </p:txBody>
+      </p:sp>
+      <p:pic>
+        <p:nvPicPr>
+          <p:cNvPr id="1028" name="Picture 4" descr="C:\Spelprojekt1\testpresentation\HoppTillHjarna.png"/>
+          <p:cNvPicPr>
+            <a:picLocks noChangeAspect="1" noChangeArrowheads="1"/>
+          </p:cNvPicPr>
+          <p:nvPr/>
+        </p:nvPicPr>
+        <p:blipFill>
+          <a:blip r:embed="rId2" cstate="print"/>
+          <a:srcRect/>
+          <a:stretch>
+            <a:fillRect/>
+          </a:stretch>
+        </p:blipFill>
+        <p:spPr bwMode="auto">
+          <a:xfrm>
+            <a:off x="3682057" y="3002558"/>
+            <a:ext cx="4778375" cy="3306762"/>
+          </a:xfrm>
+          <a:prstGeom prst="rect">
+            <a:avLst/>
+          </a:prstGeom>
+          <a:ln w="127000" cap="sq">
+            <a:solidFill>
+              <a:srgbClr val="000000"/>
+            </a:solidFill>
+            <a:miter lim="800000"/>
+          </a:ln>
+          <a:effectLst>
+            <a:outerShdw blurRad="57150" dist="50800" dir="2700000" algn="tl" rotWithShape="0">
+              <a:srgbClr val="000000">
+                <a:alpha val="40000"/>
+              </a:srgbClr>
+            </a:outerShdw>
+          </a:effectLst>
+        </p:spPr>
+      </p:pic>
+    </p:spTree>
+  </p:cSld>
+  <p:clrMapOvr>
+    <a:masterClrMapping/>
+  </p:clrMapOvr>
+  <p:timing>
+    <p:tnLst>
+      <p:par>
+        <p:cTn id="1" dur="indefinite" restart="never" nodeType="tmRoot"/>
+      </p:par>
+    </p:tnLst>
+  </p:timing>
+</p:sld>
+</file>
+
+<file path=ppt/slides/slide6.xml><?xml version="1.0" encoding="utf-8"?>
+<p:sld xmlns:a="http://schemas.openxmlformats.org/drawingml/2006/main" xmlns:r="http://schemas.openxmlformats.org/officeDocument/2006/relationships" xmlns:p="http://schemas.openxmlformats.org/presentationml/2006/main">
+  <p:cSld>
+    <p:spTree>
+      <p:nvGrpSpPr>
+        <p:cNvPr id="1" name=""/>
+        <p:cNvGrpSpPr/>
+        <p:nvPr/>
+      </p:nvGrpSpPr>
+      <p:grpSpPr>
+        <a:xfrm>
+          <a:off x="0" y="0"/>
+          <a:ext cx="0" cy="0"/>
+          <a:chOff x="0" y="0"/>
+          <a:chExt cx="0" cy="0"/>
+        </a:xfrm>
+      </p:grpSpPr>
+      <p:sp>
+        <p:nvSpPr>
+          <p:cNvPr id="2" name="Title 1"/>
+          <p:cNvSpPr>
+            <a:spLocks noGrp="1"/>
+          </p:cNvSpPr>
+          <p:nvPr>
+            <p:ph type="title"/>
+          </p:nvPr>
+        </p:nvSpPr>
+        <p:spPr/>
+        <p:txBody>
+          <a:bodyPr/>
+          <a:lstStyle/>
+          <a:p>
+            <a:r>
+              <a:rPr lang="sv-SE" dirty="0" smtClean="0"/>
+              <a:t>Buggar</a:t>
+            </a:r>
+            <a:endParaRPr lang="en-US" dirty="0"/>
+          </a:p>
+        </p:txBody>
+      </p:sp>
+      <p:sp>
+        <p:nvSpPr>
+          <p:cNvPr id="3" name="Content Placeholder 2"/>
+          <p:cNvSpPr>
+            <a:spLocks noGrp="1"/>
+          </p:cNvSpPr>
+          <p:nvPr>
+            <p:ph idx="1"/>
+          </p:nvPr>
+        </p:nvSpPr>
+        <p:spPr/>
+        <p:txBody>
+          <a:bodyPr>
+            <a:normAutofit/>
+          </a:bodyPr>
+          <a:lstStyle/>
+          <a:p>
+            <a:r>
+              <a:rPr lang="sv-SE" dirty="0" smtClean="0"/>
+              <a:t>Viktiga</a:t>
+            </a:r>
+          </a:p>
+          <a:p>
+            <a:r>
+              <a:rPr lang="sv-SE" dirty="0" smtClean="0"/>
+              <a:t>Muspekaren</a:t>
+            </a:r>
+            <a:endParaRPr lang="en-US" dirty="0"/>
+          </a:p>
+        </p:txBody>
+      </p:sp>
+      <p:pic>
+        <p:nvPicPr>
+          <p:cNvPr id="2052" name="Picture 4" descr="C:\Spelprojekt1\testpresentation\ExtentionBugg.png"/>
+          <p:cNvPicPr>
+            <a:picLocks noChangeAspect="1" noChangeArrowheads="1"/>
+          </p:cNvPicPr>
+          <p:nvPr/>
+        </p:nvPicPr>
+        <p:blipFill>
+          <a:blip r:embed="rId2" cstate="print"/>
+          <a:srcRect/>
+          <a:stretch>
+            <a:fillRect/>
+          </a:stretch>
+        </p:blipFill>
+        <p:spPr bwMode="auto">
+          <a:xfrm>
+            <a:off x="4283968" y="2780928"/>
+            <a:ext cx="3725863" cy="2759075"/>
+          </a:xfrm>
+          <a:prstGeom prst="rect">
+            <a:avLst/>
+          </a:prstGeom>
+          <a:ln w="127000" cap="sq">
+            <a:solidFill>
+              <a:srgbClr val="000000"/>
+            </a:solidFill>
+            <a:miter lim="800000"/>
+          </a:ln>
+          <a:effectLst>
+            <a:outerShdw blurRad="57150" dist="50800" dir="2700000" algn="tl" rotWithShape="0">
+              <a:srgbClr val="000000">
+                <a:alpha val="40000"/>
+              </a:srgbClr>
+            </a:outerShdw>
+          </a:effectLst>
+        </p:spPr>
+      </p:pic>
+    </p:spTree>
   </p:cSld>
   <p:clrMapOvr>
     <a:masterClrMapping/>
